--- a/PBL ppt draft2.pptx
+++ b/PBL ppt draft2.pptx
@@ -127,16 +127,239 @@
 </p:presentation>
 </file>
 
-<file path=ppt/revisionInfo.xml><?xml version="1.0" encoding="utf-8"?>
-<p1510:revInfo xmlns:a="http://schemas.openxmlformats.org/drawingml/2006/main" xmlns:r="http://schemas.openxmlformats.org/officeDocument/2006/relationships" xmlns:p1510="http://schemas.microsoft.com/office/powerpoint/2015/10/main">
-  <p1510:revLst>
-    <p1510:client id="{B286BE44-BE88-4C44-BC9E-209621950CF8}" v="1" dt="2023-09-12T11:04:52.411"/>
-  </p1510:revLst>
-</p1510:revInfo>
-</file>
-
 <file path=ppt/changesInfos/changesInfo1.xml><?xml version="1.0" encoding="utf-8"?>
 <pc:chgInfo xmlns:a="http://schemas.openxmlformats.org/drawingml/2006/main" xmlns:r="http://schemas.openxmlformats.org/officeDocument/2006/relationships" xmlns:ac="http://schemas.microsoft.com/office/drawing/2013/main/command" xmlns:pc="http://schemas.microsoft.com/office/powerpoint/2013/main/command">
+  <pc:docChgLst>
+    <pc:chgData name="Guest User" providerId="Windows Live" clId="Web-{9CA83DB6-08F1-45F0-85FB-25603BC3DAC4}"/>
+    <pc:docChg chg="addSld modSld sldOrd">
+      <pc:chgData name="Guest User" userId="" providerId="Windows Live" clId="Web-{9CA83DB6-08F1-45F0-85FB-25603BC3DAC4}" dt="2023-09-09T20:54:51.180" v="275" actId="20577"/>
+      <pc:docMkLst>
+        <pc:docMk/>
+      </pc:docMkLst>
+      <pc:sldChg chg="modSp add ord replId">
+        <pc:chgData name="Guest User" userId="" providerId="Windows Live" clId="Web-{9CA83DB6-08F1-45F0-85FB-25603BC3DAC4}" dt="2023-09-09T20:45:43.647" v="138" actId="20577"/>
+        <pc:sldMkLst>
+          <pc:docMk/>
+          <pc:sldMk cId="1448925615" sldId="267"/>
+        </pc:sldMkLst>
+        <pc:spChg chg="mod">
+          <ac:chgData name="Guest User" userId="" providerId="Windows Live" clId="Web-{9CA83DB6-08F1-45F0-85FB-25603BC3DAC4}" dt="2023-09-09T20:42:12.921" v="112" actId="20577"/>
+          <ac:spMkLst>
+            <pc:docMk/>
+            <pc:sldMk cId="1448925615" sldId="267"/>
+            <ac:spMk id="2" creationId="{F5228CC3-E8D4-42B1-B837-121B30534E51}"/>
+          </ac:spMkLst>
+        </pc:spChg>
+        <pc:spChg chg="mod">
+          <ac:chgData name="Guest User" userId="" providerId="Windows Live" clId="Web-{9CA83DB6-08F1-45F0-85FB-25603BC3DAC4}" dt="2023-09-09T20:45:43.647" v="138" actId="20577"/>
+          <ac:spMkLst>
+            <pc:docMk/>
+            <pc:sldMk cId="1448925615" sldId="267"/>
+            <ac:spMk id="3" creationId="{925BC252-3007-494A-A136-018AC5223F6E}"/>
+          </ac:spMkLst>
+        </pc:spChg>
+      </pc:sldChg>
+      <pc:sldChg chg="modSp add ord replId">
+        <pc:chgData name="Guest User" userId="" providerId="Windows Live" clId="Web-{9CA83DB6-08F1-45F0-85FB-25603BC3DAC4}" dt="2023-09-09T20:54:51.180" v="275" actId="20577"/>
+        <pc:sldMkLst>
+          <pc:docMk/>
+          <pc:sldMk cId="2289503668" sldId="268"/>
+        </pc:sldMkLst>
+        <pc:spChg chg="mod">
+          <ac:chgData name="Guest User" userId="" providerId="Windows Live" clId="Web-{9CA83DB6-08F1-45F0-85FB-25603BC3DAC4}" dt="2023-09-09T20:54:51.180" v="275" actId="20577"/>
+          <ac:spMkLst>
+            <pc:docMk/>
+            <pc:sldMk cId="2289503668" sldId="268"/>
+            <ac:spMk id="3" creationId="{1A7ED7D1-5048-498B-B092-E807E58A1614}"/>
+          </ac:spMkLst>
+        </pc:spChg>
+      </pc:sldChg>
+      <pc:sldChg chg="modSp add replId">
+        <pc:chgData name="Guest User" userId="" providerId="Windows Live" clId="Web-{9CA83DB6-08F1-45F0-85FB-25603BC3DAC4}" dt="2023-09-09T20:38:30.086" v="76" actId="20577"/>
+        <pc:sldMkLst>
+          <pc:docMk/>
+          <pc:sldMk cId="2767332515" sldId="269"/>
+        </pc:sldMkLst>
+        <pc:spChg chg="mod">
+          <ac:chgData name="Guest User" userId="" providerId="Windows Live" clId="Web-{9CA83DB6-08F1-45F0-85FB-25603BC3DAC4}" dt="2023-09-09T20:38:30.086" v="76" actId="20577"/>
+          <ac:spMkLst>
+            <pc:docMk/>
+            <pc:sldMk cId="2767332515" sldId="269"/>
+            <ac:spMk id="3" creationId="{1A7ED7D1-5048-498B-B092-E807E58A1614}"/>
+          </ac:spMkLst>
+        </pc:spChg>
+      </pc:sldChg>
+    </pc:docChg>
+  </pc:docChgLst>
+  <pc:docChgLst>
+    <pc:chgData name="Guest User" providerId="Windows Live" clId="Web-{1573367B-D4DD-4CCE-A7F5-CB043CFE0062}"/>
+    <pc:docChg chg="addSld modSld">
+      <pc:chgData name="Guest User" userId="" providerId="Windows Live" clId="Web-{1573367B-D4DD-4CCE-A7F5-CB043CFE0062}" dt="2023-09-11T04:31:18.699" v="107" actId="20577"/>
+      <pc:docMkLst>
+        <pc:docMk/>
+      </pc:docMkLst>
+      <pc:sldChg chg="modSp">
+        <pc:chgData name="Guest User" userId="" providerId="Windows Live" clId="Web-{1573367B-D4DD-4CCE-A7F5-CB043CFE0062}" dt="2023-09-11T04:31:18.699" v="107" actId="20577"/>
+        <pc:sldMkLst>
+          <pc:docMk/>
+          <pc:sldMk cId="1688438003" sldId="256"/>
+        </pc:sldMkLst>
+        <pc:spChg chg="mod">
+          <ac:chgData name="Guest User" userId="" providerId="Windows Live" clId="Web-{1573367B-D4DD-4CCE-A7F5-CB043CFE0062}" dt="2023-09-11T04:31:18.699" v="107" actId="20577"/>
+          <ac:spMkLst>
+            <pc:docMk/>
+            <pc:sldMk cId="1688438003" sldId="256"/>
+            <ac:spMk id="2" creationId="{49ACDBFD-5AA0-4FED-9DFB-351660E7FA1A}"/>
+          </ac:spMkLst>
+        </pc:spChg>
+        <pc:spChg chg="mod">
+          <ac:chgData name="Guest User" userId="" providerId="Windows Live" clId="Web-{1573367B-D4DD-4CCE-A7F5-CB043CFE0062}" dt="2023-09-11T04:30:22.901" v="84" actId="20577"/>
+          <ac:spMkLst>
+            <pc:docMk/>
+            <pc:sldMk cId="1688438003" sldId="256"/>
+            <ac:spMk id="3" creationId="{58C957D6-6658-4CA3-9D54-101B037F3CAC}"/>
+          </ac:spMkLst>
+        </pc:spChg>
+      </pc:sldChg>
+      <pc:sldChg chg="modSp">
+        <pc:chgData name="Guest User" userId="" providerId="Windows Live" clId="Web-{1573367B-D4DD-4CCE-A7F5-CB043CFE0062}" dt="2023-09-11T04:29:34.619" v="81" actId="20577"/>
+        <pc:sldMkLst>
+          <pc:docMk/>
+          <pc:sldMk cId="4291216912" sldId="260"/>
+        </pc:sldMkLst>
+        <pc:spChg chg="mod">
+          <ac:chgData name="Guest User" userId="" providerId="Windows Live" clId="Web-{1573367B-D4DD-4CCE-A7F5-CB043CFE0062}" dt="2023-09-11T04:29:34.619" v="81" actId="20577"/>
+          <ac:spMkLst>
+            <pc:docMk/>
+            <pc:sldMk cId="4291216912" sldId="260"/>
+            <ac:spMk id="3" creationId="{35B0ACE5-4930-4848-9A23-2B016F0C8E2D}"/>
+          </ac:spMkLst>
+        </pc:spChg>
+      </pc:sldChg>
+      <pc:sldChg chg="modSp">
+        <pc:chgData name="Guest User" userId="" providerId="Windows Live" clId="Web-{1573367B-D4DD-4CCE-A7F5-CB043CFE0062}" dt="2023-09-11T04:11:40.388" v="1" actId="1076"/>
+        <pc:sldMkLst>
+          <pc:docMk/>
+          <pc:sldMk cId="3463460459" sldId="264"/>
+        </pc:sldMkLst>
+        <pc:spChg chg="mod">
+          <ac:chgData name="Guest User" userId="" providerId="Windows Live" clId="Web-{1573367B-D4DD-4CCE-A7F5-CB043CFE0062}" dt="2023-09-11T04:11:40.388" v="1" actId="1076"/>
+          <ac:spMkLst>
+            <pc:docMk/>
+            <pc:sldMk cId="3463460459" sldId="264"/>
+            <ac:spMk id="3" creationId="{3A26F6FD-3838-457F-B0ED-9DEFEE248AF9}"/>
+          </ac:spMkLst>
+        </pc:spChg>
+      </pc:sldChg>
+      <pc:sldChg chg="modSp">
+        <pc:chgData name="Guest User" userId="" providerId="Windows Live" clId="Web-{1573367B-D4DD-4CCE-A7F5-CB043CFE0062}" dt="2023-09-11T04:29:04.555" v="79" actId="20577"/>
+        <pc:sldMkLst>
+          <pc:docMk/>
+          <pc:sldMk cId="3374596694" sldId="271"/>
+        </pc:sldMkLst>
+        <pc:spChg chg="mod">
+          <ac:chgData name="Guest User" userId="" providerId="Windows Live" clId="Web-{1573367B-D4DD-4CCE-A7F5-CB043CFE0062}" dt="2023-09-11T04:29:04.555" v="79" actId="20577"/>
+          <ac:spMkLst>
+            <pc:docMk/>
+            <pc:sldMk cId="3374596694" sldId="271"/>
+            <ac:spMk id="3" creationId="{851B632D-3906-422E-8968-3DAAE7A4FDC6}"/>
+          </ac:spMkLst>
+        </pc:spChg>
+      </pc:sldChg>
+      <pc:sldChg chg="modSp new">
+        <pc:chgData name="Guest User" userId="" providerId="Windows Live" clId="Web-{1573367B-D4DD-4CCE-A7F5-CB043CFE0062}" dt="2023-09-11T04:23:30.453" v="72" actId="20577"/>
+        <pc:sldMkLst>
+          <pc:docMk/>
+          <pc:sldMk cId="70887527" sldId="272"/>
+        </pc:sldMkLst>
+        <pc:spChg chg="mod">
+          <ac:chgData name="Guest User" userId="" providerId="Windows Live" clId="Web-{1573367B-D4DD-4CCE-A7F5-CB043CFE0062}" dt="2023-09-11T04:13:50.423" v="12" actId="20577"/>
+          <ac:spMkLst>
+            <pc:docMk/>
+            <pc:sldMk cId="70887527" sldId="272"/>
+            <ac:spMk id="2" creationId="{0556DA16-1A21-82DE-7EB1-A33CDAC55AA6}"/>
+          </ac:spMkLst>
+        </pc:spChg>
+        <pc:spChg chg="mod">
+          <ac:chgData name="Guest User" userId="" providerId="Windows Live" clId="Web-{1573367B-D4DD-4CCE-A7F5-CB043CFE0062}" dt="2023-09-11T04:23:30.453" v="72" actId="20577"/>
+          <ac:spMkLst>
+            <pc:docMk/>
+            <pc:sldMk cId="70887527" sldId="272"/>
+            <ac:spMk id="3" creationId="{F43988CF-7605-D6E7-526B-FCCB48F0310E}"/>
+          </ac:spMkLst>
+        </pc:spChg>
+      </pc:sldChg>
+    </pc:docChg>
+  </pc:docChgLst>
+  <pc:docChgLst>
+    <pc:chgData name="Guest User" providerId="Windows Live" clId="Web-{F520DC43-092D-4973-9C4A-41435ADC92D4}"/>
+    <pc:docChg chg="addSld modSld">
+      <pc:chgData name="Guest User" userId="" providerId="Windows Live" clId="Web-{F520DC43-092D-4973-9C4A-41435ADC92D4}" dt="2023-09-11T04:42:38.539" v="753" actId="20577"/>
+      <pc:docMkLst>
+        <pc:docMk/>
+      </pc:docMkLst>
+      <pc:sldChg chg="modSp">
+        <pc:chgData name="Guest User" userId="" providerId="Windows Live" clId="Web-{F520DC43-092D-4973-9C4A-41435ADC92D4}" dt="2023-09-11T04:22:30.197" v="339" actId="20577"/>
+        <pc:sldMkLst>
+          <pc:docMk/>
+          <pc:sldMk cId="361431700" sldId="259"/>
+        </pc:sldMkLst>
+        <pc:spChg chg="mod">
+          <ac:chgData name="Guest User" userId="" providerId="Windows Live" clId="Web-{F520DC43-092D-4973-9C4A-41435ADC92D4}" dt="2023-09-11T04:22:30.197" v="339" actId="20577"/>
+          <ac:spMkLst>
+            <pc:docMk/>
+            <pc:sldMk cId="361431700" sldId="259"/>
+            <ac:spMk id="3" creationId="{2D68104E-D0BD-40CC-9F37-BFEE4AD80CF6}"/>
+          </ac:spMkLst>
+        </pc:spChg>
+      </pc:sldChg>
+      <pc:sldChg chg="modSp">
+        <pc:chgData name="Guest User" userId="" providerId="Windows Live" clId="Web-{F520DC43-092D-4973-9C4A-41435ADC92D4}" dt="2023-09-11T04:31:25.273" v="725" actId="20577"/>
+        <pc:sldMkLst>
+          <pc:docMk/>
+          <pc:sldMk cId="4291216912" sldId="260"/>
+        </pc:sldMkLst>
+        <pc:spChg chg="mod">
+          <ac:chgData name="Guest User" userId="" providerId="Windows Live" clId="Web-{F520DC43-092D-4973-9C4A-41435ADC92D4}" dt="2023-09-11T04:31:25.273" v="725" actId="20577"/>
+          <ac:spMkLst>
+            <pc:docMk/>
+            <pc:sldMk cId="4291216912" sldId="260"/>
+            <ac:spMk id="3" creationId="{35B0ACE5-4930-4848-9A23-2B016F0C8E2D}"/>
+          </ac:spMkLst>
+        </pc:spChg>
+      </pc:sldChg>
+      <pc:sldChg chg="modSp">
+        <pc:chgData name="Guest User" userId="" providerId="Windows Live" clId="Web-{F520DC43-092D-4973-9C4A-41435ADC92D4}" dt="2023-09-11T04:42:19.351" v="730" actId="20577"/>
+        <pc:sldMkLst>
+          <pc:docMk/>
+          <pc:sldMk cId="70887527" sldId="272"/>
+        </pc:sldMkLst>
+        <pc:spChg chg="mod">
+          <ac:chgData name="Guest User" userId="" providerId="Windows Live" clId="Web-{F520DC43-092D-4973-9C4A-41435ADC92D4}" dt="2023-09-11T04:42:19.351" v="730" actId="20577"/>
+          <ac:spMkLst>
+            <pc:docMk/>
+            <pc:sldMk cId="70887527" sldId="272"/>
+            <ac:spMk id="3" creationId="{F43988CF-7605-D6E7-526B-FCCB48F0310E}"/>
+          </ac:spMkLst>
+        </pc:spChg>
+      </pc:sldChg>
+      <pc:sldChg chg="modSp new">
+        <pc:chgData name="Guest User" userId="" providerId="Windows Live" clId="Web-{F520DC43-092D-4973-9C4A-41435ADC92D4}" dt="2023-09-11T04:42:38.539" v="753" actId="20577"/>
+        <pc:sldMkLst>
+          <pc:docMk/>
+          <pc:sldMk cId="2583485208" sldId="273"/>
+        </pc:sldMkLst>
+        <pc:spChg chg="mod">
+          <ac:chgData name="Guest User" userId="" providerId="Windows Live" clId="Web-{F520DC43-092D-4973-9C4A-41435ADC92D4}" dt="2023-09-11T04:42:38.539" v="753" actId="20577"/>
+          <ac:spMkLst>
+            <pc:docMk/>
+            <pc:sldMk cId="2583485208" sldId="273"/>
+            <ac:spMk id="2" creationId="{96093E93-C41C-972D-802D-95C1F293F4F8}"/>
+          </ac:spMkLst>
+        </pc:spChg>
+      </pc:sldChg>
+    </pc:docChg>
+  </pc:docChgLst>
   <pc:docChgLst>
     <pc:chgData name="Guest User" providerId="Windows Live" clId="Web-{54CF24CF-19A0-4886-A121-C215034EFFD9}"/>
     <pc:docChg chg="addSld modSld">
@@ -292,147 +515,6 @@
             <pc:docMk/>
             <pc:sldMk cId="3327030687" sldId="266"/>
             <ac:spMk id="3" creationId="{132CBB4D-7E70-148C-1AEF-FEF34007ECED}"/>
-          </ac:spMkLst>
-        </pc:spChg>
-      </pc:sldChg>
-    </pc:docChg>
-  </pc:docChgLst>
-  <pc:docChgLst>
-    <pc:chgData name="Guest User" providerId="Windows Live" clId="Web-{6381D304-AE5D-4ED5-AF4D-6465DBA1CA46}"/>
-    <pc:docChg chg="modSld">
-      <pc:chgData name="Guest User" userId="" providerId="Windows Live" clId="Web-{6381D304-AE5D-4ED5-AF4D-6465DBA1CA46}" dt="2023-09-11T04:11:36.048" v="610" actId="20577"/>
-      <pc:docMkLst>
-        <pc:docMk/>
-      </pc:docMkLst>
-      <pc:sldChg chg="modSp">
-        <pc:chgData name="Guest User" userId="" providerId="Windows Live" clId="Web-{6381D304-AE5D-4ED5-AF4D-6465DBA1CA46}" dt="2023-09-11T04:09:39.044" v="585" actId="20577"/>
-        <pc:sldMkLst>
-          <pc:docMk/>
-          <pc:sldMk cId="361431700" sldId="259"/>
-        </pc:sldMkLst>
-        <pc:spChg chg="mod">
-          <ac:chgData name="Guest User" userId="" providerId="Windows Live" clId="Web-{6381D304-AE5D-4ED5-AF4D-6465DBA1CA46}" dt="2023-09-11T04:09:39.044" v="585" actId="20577"/>
-          <ac:spMkLst>
-            <pc:docMk/>
-            <pc:sldMk cId="361431700" sldId="259"/>
-            <ac:spMk id="3" creationId="{2D68104E-D0BD-40CC-9F37-BFEE4AD80CF6}"/>
-          </ac:spMkLst>
-        </pc:spChg>
-      </pc:sldChg>
-      <pc:sldChg chg="modSp">
-        <pc:chgData name="Guest User" userId="" providerId="Windows Live" clId="Web-{6381D304-AE5D-4ED5-AF4D-6465DBA1CA46}" dt="2023-09-11T04:11:36.048" v="610" actId="20577"/>
-        <pc:sldMkLst>
-          <pc:docMk/>
-          <pc:sldMk cId="4291216912" sldId="260"/>
-        </pc:sldMkLst>
-        <pc:spChg chg="mod">
-          <ac:chgData name="Guest User" userId="" providerId="Windows Live" clId="Web-{6381D304-AE5D-4ED5-AF4D-6465DBA1CA46}" dt="2023-09-11T04:11:36.048" v="610" actId="20577"/>
-          <ac:spMkLst>
-            <pc:docMk/>
-            <pc:sldMk cId="4291216912" sldId="260"/>
-            <ac:spMk id="3" creationId="{35B0ACE5-4930-4848-9A23-2B016F0C8E2D}"/>
-          </ac:spMkLst>
-        </pc:spChg>
-      </pc:sldChg>
-    </pc:docChg>
-  </pc:docChgLst>
-  <pc:docChgLst>
-    <pc:chgData name="Guest User" providerId="Windows Live" clId="Web-{9CA83DB6-08F1-45F0-85FB-25603BC3DAC4}"/>
-    <pc:docChg chg="addSld modSld sldOrd">
-      <pc:chgData name="Guest User" userId="" providerId="Windows Live" clId="Web-{9CA83DB6-08F1-45F0-85FB-25603BC3DAC4}" dt="2023-09-09T20:54:51.180" v="275" actId="20577"/>
-      <pc:docMkLst>
-        <pc:docMk/>
-      </pc:docMkLst>
-      <pc:sldChg chg="modSp add ord replId">
-        <pc:chgData name="Guest User" userId="" providerId="Windows Live" clId="Web-{9CA83DB6-08F1-45F0-85FB-25603BC3DAC4}" dt="2023-09-09T20:45:43.647" v="138" actId="20577"/>
-        <pc:sldMkLst>
-          <pc:docMk/>
-          <pc:sldMk cId="1448925615" sldId="267"/>
-        </pc:sldMkLst>
-        <pc:spChg chg="mod">
-          <ac:chgData name="Guest User" userId="" providerId="Windows Live" clId="Web-{9CA83DB6-08F1-45F0-85FB-25603BC3DAC4}" dt="2023-09-09T20:42:12.921" v="112" actId="20577"/>
-          <ac:spMkLst>
-            <pc:docMk/>
-            <pc:sldMk cId="1448925615" sldId="267"/>
-            <ac:spMk id="2" creationId="{F5228CC3-E8D4-42B1-B837-121B30534E51}"/>
-          </ac:spMkLst>
-        </pc:spChg>
-        <pc:spChg chg="mod">
-          <ac:chgData name="Guest User" userId="" providerId="Windows Live" clId="Web-{9CA83DB6-08F1-45F0-85FB-25603BC3DAC4}" dt="2023-09-09T20:45:43.647" v="138" actId="20577"/>
-          <ac:spMkLst>
-            <pc:docMk/>
-            <pc:sldMk cId="1448925615" sldId="267"/>
-            <ac:spMk id="3" creationId="{925BC252-3007-494A-A136-018AC5223F6E}"/>
-          </ac:spMkLst>
-        </pc:spChg>
-      </pc:sldChg>
-      <pc:sldChg chg="modSp add ord replId">
-        <pc:chgData name="Guest User" userId="" providerId="Windows Live" clId="Web-{9CA83DB6-08F1-45F0-85FB-25603BC3DAC4}" dt="2023-09-09T20:54:51.180" v="275" actId="20577"/>
-        <pc:sldMkLst>
-          <pc:docMk/>
-          <pc:sldMk cId="2289503668" sldId="268"/>
-        </pc:sldMkLst>
-        <pc:spChg chg="mod">
-          <ac:chgData name="Guest User" userId="" providerId="Windows Live" clId="Web-{9CA83DB6-08F1-45F0-85FB-25603BC3DAC4}" dt="2023-09-09T20:54:51.180" v="275" actId="20577"/>
-          <ac:spMkLst>
-            <pc:docMk/>
-            <pc:sldMk cId="2289503668" sldId="268"/>
-            <ac:spMk id="3" creationId="{1A7ED7D1-5048-498B-B092-E807E58A1614}"/>
-          </ac:spMkLst>
-        </pc:spChg>
-      </pc:sldChg>
-      <pc:sldChg chg="modSp add replId">
-        <pc:chgData name="Guest User" userId="" providerId="Windows Live" clId="Web-{9CA83DB6-08F1-45F0-85FB-25603BC3DAC4}" dt="2023-09-09T20:38:30.086" v="76" actId="20577"/>
-        <pc:sldMkLst>
-          <pc:docMk/>
-          <pc:sldMk cId="2767332515" sldId="269"/>
-        </pc:sldMkLst>
-        <pc:spChg chg="mod">
-          <ac:chgData name="Guest User" userId="" providerId="Windows Live" clId="Web-{9CA83DB6-08F1-45F0-85FB-25603BC3DAC4}" dt="2023-09-09T20:38:30.086" v="76" actId="20577"/>
-          <ac:spMkLst>
-            <pc:docMk/>
-            <pc:sldMk cId="2767332515" sldId="269"/>
-            <ac:spMk id="3" creationId="{1A7ED7D1-5048-498B-B092-E807E58A1614}"/>
-          </ac:spMkLst>
-        </pc:spChg>
-      </pc:sldChg>
-    </pc:docChg>
-  </pc:docChgLst>
-  <pc:docChgLst>
-    <pc:chgData name="Guest User" providerId="Windows Live" clId="Web-{B286BE44-BE88-4C44-BC9E-209621950CF8}"/>
-    <pc:docChg chg="delSld">
-      <pc:chgData name="Guest User" userId="" providerId="Windows Live" clId="Web-{B286BE44-BE88-4C44-BC9E-209621950CF8}" dt="2023-09-12T11:04:52.411" v="0"/>
-      <pc:docMkLst>
-        <pc:docMk/>
-      </pc:docMkLst>
-      <pc:sldChg chg="del">
-        <pc:chgData name="Guest User" userId="" providerId="Windows Live" clId="Web-{B286BE44-BE88-4C44-BC9E-209621950CF8}" dt="2023-09-12T11:04:52.411" v="0"/>
-        <pc:sldMkLst>
-          <pc:docMk/>
-          <pc:sldMk cId="2583485208" sldId="273"/>
-        </pc:sldMkLst>
-      </pc:sldChg>
-    </pc:docChg>
-  </pc:docChgLst>
-  <pc:docChgLst>
-    <pc:chgData name="Shantanu Deshmukh" userId="f2c0d354abe63318" providerId="Windows Live" clId="Web-{708EAA25-19C7-49D3-9622-1D8064B3AEE1}"/>
-    <pc:docChg chg="modSld">
-      <pc:chgData name="Shantanu Deshmukh" userId="f2c0d354abe63318" providerId="Windows Live" clId="Web-{708EAA25-19C7-49D3-9622-1D8064B3AEE1}" dt="2023-09-09T12:03:46.390" v="26" actId="20577"/>
-      <pc:docMkLst>
-        <pc:docMk/>
-      </pc:docMkLst>
-      <pc:sldChg chg="modSp">
-        <pc:chgData name="Shantanu Deshmukh" userId="f2c0d354abe63318" providerId="Windows Live" clId="Web-{708EAA25-19C7-49D3-9622-1D8064B3AEE1}" dt="2023-09-09T12:03:46.390" v="26" actId="20577"/>
-        <pc:sldMkLst>
-          <pc:docMk/>
-          <pc:sldMk cId="347522169" sldId="263"/>
-        </pc:sldMkLst>
-        <pc:spChg chg="mod">
-          <ac:chgData name="Shantanu Deshmukh" userId="f2c0d354abe63318" providerId="Windows Live" clId="Web-{708EAA25-19C7-49D3-9622-1D8064B3AEE1}" dt="2023-09-09T12:03:46.390" v="26" actId="20577"/>
-          <ac:spMkLst>
-            <pc:docMk/>
-            <pc:sldMk cId="347522169" sldId="263"/>
-            <ac:spMk id="3" creationId="{A8CD7BB0-FE59-4C5E-ACFF-C2FE606834E0}"/>
           </ac:spMkLst>
         </pc:spChg>
       </pc:sldChg>
@@ -664,6 +746,210 @@
           <pc:docMk/>
           <pc:sldMk cId="3725948615" sldId="266"/>
         </pc:sldMkLst>
+      </pc:sldChg>
+    </pc:docChg>
+  </pc:docChgLst>
+  <pc:docChgLst>
+    <pc:chgData name="Guest User" providerId="Windows Live" clId="Web-{581B0A3C-4EE6-44F2-9BDE-BA2CA2C109C1}"/>
+    <pc:docChg chg="modSld sldOrd">
+      <pc:chgData name="Guest User" userId="" providerId="Windows Live" clId="Web-{581B0A3C-4EE6-44F2-9BDE-BA2CA2C109C1}" dt="2023-08-27T20:13:34.216" v="343" actId="20577"/>
+      <pc:docMkLst>
+        <pc:docMk/>
+      </pc:docMkLst>
+      <pc:sldChg chg="ord">
+        <pc:chgData name="Guest User" userId="" providerId="Windows Live" clId="Web-{581B0A3C-4EE6-44F2-9BDE-BA2CA2C109C1}" dt="2023-08-27T18:58:28.843" v="1"/>
+        <pc:sldMkLst>
+          <pc:docMk/>
+          <pc:sldMk cId="1440205712" sldId="257"/>
+        </pc:sldMkLst>
+      </pc:sldChg>
+      <pc:sldChg chg="modSp">
+        <pc:chgData name="Guest User" userId="" providerId="Windows Live" clId="Web-{581B0A3C-4EE6-44F2-9BDE-BA2CA2C109C1}" dt="2023-08-27T20:13:34.216" v="343" actId="20577"/>
+        <pc:sldMkLst>
+          <pc:docMk/>
+          <pc:sldMk cId="2784537791" sldId="261"/>
+        </pc:sldMkLst>
+        <pc:spChg chg="mod">
+          <ac:chgData name="Guest User" userId="" providerId="Windows Live" clId="Web-{581B0A3C-4EE6-44F2-9BDE-BA2CA2C109C1}" dt="2023-08-27T19:51:37.260" v="97" actId="14100"/>
+          <ac:spMkLst>
+            <pc:docMk/>
+            <pc:sldMk cId="2784537791" sldId="261"/>
+            <ac:spMk id="2" creationId="{F5228CC3-E8D4-42B1-B837-121B30534E51}"/>
+          </ac:spMkLst>
+        </pc:spChg>
+        <pc:spChg chg="mod">
+          <ac:chgData name="Guest User" userId="" providerId="Windows Live" clId="Web-{581B0A3C-4EE6-44F2-9BDE-BA2CA2C109C1}" dt="2023-08-27T20:13:34.216" v="343" actId="20577"/>
+          <ac:spMkLst>
+            <pc:docMk/>
+            <pc:sldMk cId="2784537791" sldId="261"/>
+            <ac:spMk id="3" creationId="{925BC252-3007-494A-A136-018AC5223F6E}"/>
+          </ac:spMkLst>
+        </pc:spChg>
+      </pc:sldChg>
+      <pc:sldChg chg="modSp">
+        <pc:chgData name="Guest User" userId="" providerId="Windows Live" clId="Web-{581B0A3C-4EE6-44F2-9BDE-BA2CA2C109C1}" dt="2023-08-27T20:11:50.791" v="333" actId="20577"/>
+        <pc:sldMkLst>
+          <pc:docMk/>
+          <pc:sldMk cId="185912686" sldId="262"/>
+        </pc:sldMkLst>
+        <pc:spChg chg="mod">
+          <ac:chgData name="Guest User" userId="" providerId="Windows Live" clId="Web-{581B0A3C-4EE6-44F2-9BDE-BA2CA2C109C1}" dt="2023-08-27T20:11:50.791" v="333" actId="20577"/>
+          <ac:spMkLst>
+            <pc:docMk/>
+            <pc:sldMk cId="185912686" sldId="262"/>
+            <ac:spMk id="3" creationId="{1A7ED7D1-5048-498B-B092-E807E58A1614}"/>
+          </ac:spMkLst>
+        </pc:spChg>
+      </pc:sldChg>
+    </pc:docChg>
+  </pc:docChgLst>
+  <pc:docChgLst>
+    <pc:chgData name="Aditya Sinha" userId="0b2765573b686c5c" providerId="Windows Live" clId="Web-{22B3650A-4EEA-49BC-BF09-6EA52D5CB5C9}"/>
+    <pc:docChg chg="modSld">
+      <pc:chgData name="Aditya Sinha" userId="0b2765573b686c5c" providerId="Windows Live" clId="Web-{22B3650A-4EEA-49BC-BF09-6EA52D5CB5C9}" dt="2023-09-11T05:41:50.977" v="7" actId="20577"/>
+      <pc:docMkLst>
+        <pc:docMk/>
+      </pc:docMkLst>
+      <pc:sldChg chg="modSp">
+        <pc:chgData name="Aditya Sinha" userId="0b2765573b686c5c" providerId="Windows Live" clId="Web-{22B3650A-4EEA-49BC-BF09-6EA52D5CB5C9}" dt="2023-09-11T05:41:50.977" v="7" actId="20577"/>
+        <pc:sldMkLst>
+          <pc:docMk/>
+          <pc:sldMk cId="2767332515" sldId="269"/>
+        </pc:sldMkLst>
+        <pc:spChg chg="mod">
+          <ac:chgData name="Aditya Sinha" userId="0b2765573b686c5c" providerId="Windows Live" clId="Web-{22B3650A-4EEA-49BC-BF09-6EA52D5CB5C9}" dt="2023-09-11T05:41:50.977" v="7" actId="20577"/>
+          <ac:spMkLst>
+            <pc:docMk/>
+            <pc:sldMk cId="2767332515" sldId="269"/>
+            <ac:spMk id="3" creationId="{1A7ED7D1-5048-498B-B092-E807E58A1614}"/>
+          </ac:spMkLst>
+        </pc:spChg>
+      </pc:sldChg>
+    </pc:docChg>
+  </pc:docChgLst>
+  <pc:docChgLst>
+    <pc:chgData name="Shantanu Deshmukh" userId="f2c0d354abe63318" providerId="Windows Live" clId="Web-{DDDF204F-96A8-4F87-B6A4-233AF6FED8C5}"/>
+    <pc:docChg chg="modSld">
+      <pc:chgData name="Shantanu Deshmukh" userId="f2c0d354abe63318" providerId="Windows Live" clId="Web-{DDDF204F-96A8-4F87-B6A4-233AF6FED8C5}" dt="2023-09-10T21:13:39.477" v="5" actId="20577"/>
+      <pc:docMkLst>
+        <pc:docMk/>
+      </pc:docMkLst>
+      <pc:sldChg chg="modSp">
+        <pc:chgData name="Shantanu Deshmukh" userId="f2c0d354abe63318" providerId="Windows Live" clId="Web-{DDDF204F-96A8-4F87-B6A4-233AF6FED8C5}" dt="2023-09-10T21:13:25.867" v="2" actId="20577"/>
+        <pc:sldMkLst>
+          <pc:docMk/>
+          <pc:sldMk cId="347522169" sldId="263"/>
+        </pc:sldMkLst>
+        <pc:spChg chg="mod">
+          <ac:chgData name="Shantanu Deshmukh" userId="f2c0d354abe63318" providerId="Windows Live" clId="Web-{DDDF204F-96A8-4F87-B6A4-233AF6FED8C5}" dt="2023-09-10T21:13:25.867" v="2" actId="20577"/>
+          <ac:spMkLst>
+            <pc:docMk/>
+            <pc:sldMk cId="347522169" sldId="263"/>
+            <ac:spMk id="3" creationId="{A8CD7BB0-FE59-4C5E-ACFF-C2FE606834E0}"/>
+          </ac:spMkLst>
+        </pc:spChg>
+      </pc:sldChg>
+      <pc:sldChg chg="modSp">
+        <pc:chgData name="Shantanu Deshmukh" userId="f2c0d354abe63318" providerId="Windows Live" clId="Web-{DDDF204F-96A8-4F87-B6A4-233AF6FED8C5}" dt="2023-09-10T21:13:39.477" v="5" actId="20577"/>
+        <pc:sldMkLst>
+          <pc:docMk/>
+          <pc:sldMk cId="3463460459" sldId="264"/>
+        </pc:sldMkLst>
+        <pc:spChg chg="mod">
+          <ac:chgData name="Shantanu Deshmukh" userId="f2c0d354abe63318" providerId="Windows Live" clId="Web-{DDDF204F-96A8-4F87-B6A4-233AF6FED8C5}" dt="2023-09-10T21:13:39.477" v="5" actId="20577"/>
+          <ac:spMkLst>
+            <pc:docMk/>
+            <pc:sldMk cId="3463460459" sldId="264"/>
+            <ac:spMk id="3" creationId="{3A26F6FD-3838-457F-B0ED-9DEFEE248AF9}"/>
+          </ac:spMkLst>
+        </pc:spChg>
+      </pc:sldChg>
+    </pc:docChg>
+  </pc:docChgLst>
+  <pc:docChgLst>
+    <pc:chgData name="Raghav Nagpal" userId="3b9f696ebbd127c3" providerId="LiveId" clId="{5A80CE9F-C052-CC4F-95B0-3611918E3CD9}"/>
+    <pc:docChg chg="modSld">
+      <pc:chgData name="Raghav Nagpal" userId="3b9f696ebbd127c3" providerId="LiveId" clId="{5A80CE9F-C052-CC4F-95B0-3611918E3CD9}" dt="2023-10-02T10:18:35.378" v="2" actId="1076"/>
+      <pc:docMkLst>
+        <pc:docMk/>
+      </pc:docMkLst>
+      <pc:sldChg chg="modSp">
+        <pc:chgData name="Raghav Nagpal" userId="3b9f696ebbd127c3" providerId="LiveId" clId="{5A80CE9F-C052-CC4F-95B0-3611918E3CD9}" dt="2023-10-02T10:18:35.378" v="2" actId="1076"/>
+        <pc:sldMkLst>
+          <pc:docMk/>
+          <pc:sldMk cId="361431700" sldId="259"/>
+        </pc:sldMkLst>
+        <pc:spChg chg="mod">
+          <ac:chgData name="Raghav Nagpal" userId="3b9f696ebbd127c3" providerId="LiveId" clId="{5A80CE9F-C052-CC4F-95B0-3611918E3CD9}" dt="2023-10-02T10:18:35.378" v="2" actId="1076"/>
+          <ac:spMkLst>
+            <pc:docMk/>
+            <pc:sldMk cId="361431700" sldId="259"/>
+            <ac:spMk id="3" creationId="{2D68104E-D0BD-40CC-9F37-BFEE4AD80CF6}"/>
+          </ac:spMkLst>
+        </pc:spChg>
+      </pc:sldChg>
+    </pc:docChg>
+  </pc:docChgLst>
+  <pc:docChgLst>
+    <pc:chgData name="Guest User" providerId="Windows Live" clId="Web-{C09974B0-B3F3-45A1-BDB4-F834DB2BE265}"/>
+    <pc:docChg chg="modSld">
+      <pc:chgData name="Guest User" userId="" providerId="Windows Live" clId="Web-{C09974B0-B3F3-45A1-BDB4-F834DB2BE265}" dt="2023-08-27T12:17:15.801" v="0" actId="20577"/>
+      <pc:docMkLst>
+        <pc:docMk/>
+      </pc:docMkLst>
+      <pc:sldChg chg="modSp">
+        <pc:chgData name="Guest User" userId="" providerId="Windows Live" clId="Web-{C09974B0-B3F3-45A1-BDB4-F834DB2BE265}" dt="2023-08-27T12:17:15.801" v="0" actId="20577"/>
+        <pc:sldMkLst>
+          <pc:docMk/>
+          <pc:sldMk cId="1440205712" sldId="257"/>
+        </pc:sldMkLst>
+        <pc:spChg chg="mod">
+          <ac:chgData name="Guest User" userId="" providerId="Windows Live" clId="Web-{C09974B0-B3F3-45A1-BDB4-F834DB2BE265}" dt="2023-08-27T12:17:15.801" v="0" actId="20577"/>
+          <ac:spMkLst>
+            <pc:docMk/>
+            <pc:sldMk cId="1440205712" sldId="257"/>
+            <ac:spMk id="3" creationId="{C2E29163-79E9-4765-9828-C1F2B49E0C2A}"/>
+          </ac:spMkLst>
+        </pc:spChg>
+      </pc:sldChg>
+    </pc:docChg>
+  </pc:docChgLst>
+  <pc:docChgLst>
+    <pc:chgData name="Raghav Nagpal" userId="3b9f696ebbd127c3" providerId="LiveId" clId="{D479DBF9-E295-7149-BDB2-3591D3AC35B3}"/>
+    <pc:docChg chg="custSel modSld">
+      <pc:chgData name="Raghav Nagpal" userId="3b9f696ebbd127c3" providerId="LiveId" clId="{D479DBF9-E295-7149-BDB2-3591D3AC35B3}" dt="2023-08-28T05:44:53.705" v="839" actId="20577"/>
+      <pc:docMkLst>
+        <pc:docMk/>
+      </pc:docMkLst>
+      <pc:sldChg chg="modSp">
+        <pc:chgData name="Raghav Nagpal" userId="3b9f696ebbd127c3" providerId="LiveId" clId="{D479DBF9-E295-7149-BDB2-3591D3AC35B3}" dt="2023-08-28T04:28:09.745" v="663" actId="20577"/>
+        <pc:sldMkLst>
+          <pc:docMk/>
+          <pc:sldMk cId="361431700" sldId="259"/>
+        </pc:sldMkLst>
+        <pc:spChg chg="mod">
+          <ac:chgData name="Raghav Nagpal" userId="3b9f696ebbd127c3" providerId="LiveId" clId="{D479DBF9-E295-7149-BDB2-3591D3AC35B3}" dt="2023-08-28T04:28:09.745" v="663" actId="20577"/>
+          <ac:spMkLst>
+            <pc:docMk/>
+            <pc:sldMk cId="361431700" sldId="259"/>
+            <ac:spMk id="3" creationId="{2D68104E-D0BD-40CC-9F37-BFEE4AD80CF6}"/>
+          </ac:spMkLst>
+        </pc:spChg>
+      </pc:sldChg>
+      <pc:sldChg chg="modSp">
+        <pc:chgData name="Raghav Nagpal" userId="3b9f696ebbd127c3" providerId="LiveId" clId="{D479DBF9-E295-7149-BDB2-3591D3AC35B3}" dt="2023-08-28T05:44:53.705" v="839" actId="20577"/>
+        <pc:sldMkLst>
+          <pc:docMk/>
+          <pc:sldMk cId="4291216912" sldId="260"/>
+        </pc:sldMkLst>
+        <pc:spChg chg="mod">
+          <ac:chgData name="Raghav Nagpal" userId="3b9f696ebbd127c3" providerId="LiveId" clId="{D479DBF9-E295-7149-BDB2-3591D3AC35B3}" dt="2023-08-28T05:44:53.705" v="839" actId="20577"/>
+          <ac:spMkLst>
+            <pc:docMk/>
+            <pc:sldMk cId="4291216912" sldId="260"/>
+            <ac:spMk id="3" creationId="{35B0ACE5-4930-4848-9A23-2B016F0C8E2D}"/>
+          </ac:spMkLst>
+        </pc:spChg>
       </pc:sldChg>
     </pc:docChg>
   </pc:docChgLst>
@@ -964,349 +1250,24 @@
     </pc:docChg>
   </pc:docChgLst>
   <pc:docChgLst>
-    <pc:chgData name="Shantanu Deshmukh" userId="f2c0d354abe63318" providerId="Windows Live" clId="Web-{DDDF204F-96A8-4F87-B6A4-233AF6FED8C5}"/>
+    <pc:chgData name="Shantanu Deshmukh" userId="f2c0d354abe63318" providerId="Windows Live" clId="Web-{708EAA25-19C7-49D3-9622-1D8064B3AEE1}"/>
     <pc:docChg chg="modSld">
-      <pc:chgData name="Shantanu Deshmukh" userId="f2c0d354abe63318" providerId="Windows Live" clId="Web-{DDDF204F-96A8-4F87-B6A4-233AF6FED8C5}" dt="2023-09-10T21:13:39.477" v="5" actId="20577"/>
+      <pc:chgData name="Shantanu Deshmukh" userId="f2c0d354abe63318" providerId="Windows Live" clId="Web-{708EAA25-19C7-49D3-9622-1D8064B3AEE1}" dt="2023-09-09T12:03:46.390" v="26" actId="20577"/>
       <pc:docMkLst>
         <pc:docMk/>
       </pc:docMkLst>
       <pc:sldChg chg="modSp">
-        <pc:chgData name="Shantanu Deshmukh" userId="f2c0d354abe63318" providerId="Windows Live" clId="Web-{DDDF204F-96A8-4F87-B6A4-233AF6FED8C5}" dt="2023-09-10T21:13:25.867" v="2" actId="20577"/>
+        <pc:chgData name="Shantanu Deshmukh" userId="f2c0d354abe63318" providerId="Windows Live" clId="Web-{708EAA25-19C7-49D3-9622-1D8064B3AEE1}" dt="2023-09-09T12:03:46.390" v="26" actId="20577"/>
         <pc:sldMkLst>
           <pc:docMk/>
           <pc:sldMk cId="347522169" sldId="263"/>
         </pc:sldMkLst>
         <pc:spChg chg="mod">
-          <ac:chgData name="Shantanu Deshmukh" userId="f2c0d354abe63318" providerId="Windows Live" clId="Web-{DDDF204F-96A8-4F87-B6A4-233AF6FED8C5}" dt="2023-09-10T21:13:25.867" v="2" actId="20577"/>
+          <ac:chgData name="Shantanu Deshmukh" userId="f2c0d354abe63318" providerId="Windows Live" clId="Web-{708EAA25-19C7-49D3-9622-1D8064B3AEE1}" dt="2023-09-09T12:03:46.390" v="26" actId="20577"/>
           <ac:spMkLst>
             <pc:docMk/>
             <pc:sldMk cId="347522169" sldId="263"/>
             <ac:spMk id="3" creationId="{A8CD7BB0-FE59-4C5E-ACFF-C2FE606834E0}"/>
-          </ac:spMkLst>
-        </pc:spChg>
-      </pc:sldChg>
-      <pc:sldChg chg="modSp">
-        <pc:chgData name="Shantanu Deshmukh" userId="f2c0d354abe63318" providerId="Windows Live" clId="Web-{DDDF204F-96A8-4F87-B6A4-233AF6FED8C5}" dt="2023-09-10T21:13:39.477" v="5" actId="20577"/>
-        <pc:sldMkLst>
-          <pc:docMk/>
-          <pc:sldMk cId="3463460459" sldId="264"/>
-        </pc:sldMkLst>
-        <pc:spChg chg="mod">
-          <ac:chgData name="Shantanu Deshmukh" userId="f2c0d354abe63318" providerId="Windows Live" clId="Web-{DDDF204F-96A8-4F87-B6A4-233AF6FED8C5}" dt="2023-09-10T21:13:39.477" v="5" actId="20577"/>
-          <ac:spMkLst>
-            <pc:docMk/>
-            <pc:sldMk cId="3463460459" sldId="264"/>
-            <ac:spMk id="3" creationId="{3A26F6FD-3838-457F-B0ED-9DEFEE248AF9}"/>
-          </ac:spMkLst>
-        </pc:spChg>
-      </pc:sldChg>
-    </pc:docChg>
-  </pc:docChgLst>
-  <pc:docChgLst>
-    <pc:chgData name="Guest User" providerId="Windows Live" clId="Web-{F520DC43-092D-4973-9C4A-41435ADC92D4}"/>
-    <pc:docChg chg="addSld modSld">
-      <pc:chgData name="Guest User" userId="" providerId="Windows Live" clId="Web-{F520DC43-092D-4973-9C4A-41435ADC92D4}" dt="2023-09-11T04:42:38.539" v="753" actId="20577"/>
-      <pc:docMkLst>
-        <pc:docMk/>
-      </pc:docMkLst>
-      <pc:sldChg chg="modSp">
-        <pc:chgData name="Guest User" userId="" providerId="Windows Live" clId="Web-{F520DC43-092D-4973-9C4A-41435ADC92D4}" dt="2023-09-11T04:22:30.197" v="339" actId="20577"/>
-        <pc:sldMkLst>
-          <pc:docMk/>
-          <pc:sldMk cId="361431700" sldId="259"/>
-        </pc:sldMkLst>
-        <pc:spChg chg="mod">
-          <ac:chgData name="Guest User" userId="" providerId="Windows Live" clId="Web-{F520DC43-092D-4973-9C4A-41435ADC92D4}" dt="2023-09-11T04:22:30.197" v="339" actId="20577"/>
-          <ac:spMkLst>
-            <pc:docMk/>
-            <pc:sldMk cId="361431700" sldId="259"/>
-            <ac:spMk id="3" creationId="{2D68104E-D0BD-40CC-9F37-BFEE4AD80CF6}"/>
-          </ac:spMkLst>
-        </pc:spChg>
-      </pc:sldChg>
-      <pc:sldChg chg="modSp">
-        <pc:chgData name="Guest User" userId="" providerId="Windows Live" clId="Web-{F520DC43-092D-4973-9C4A-41435ADC92D4}" dt="2023-09-11T04:31:25.273" v="725" actId="20577"/>
-        <pc:sldMkLst>
-          <pc:docMk/>
-          <pc:sldMk cId="4291216912" sldId="260"/>
-        </pc:sldMkLst>
-        <pc:spChg chg="mod">
-          <ac:chgData name="Guest User" userId="" providerId="Windows Live" clId="Web-{F520DC43-092D-4973-9C4A-41435ADC92D4}" dt="2023-09-11T04:31:25.273" v="725" actId="20577"/>
-          <ac:spMkLst>
-            <pc:docMk/>
-            <pc:sldMk cId="4291216912" sldId="260"/>
-            <ac:spMk id="3" creationId="{35B0ACE5-4930-4848-9A23-2B016F0C8E2D}"/>
-          </ac:spMkLst>
-        </pc:spChg>
-      </pc:sldChg>
-      <pc:sldChg chg="modSp">
-        <pc:chgData name="Guest User" userId="" providerId="Windows Live" clId="Web-{F520DC43-092D-4973-9C4A-41435ADC92D4}" dt="2023-09-11T04:42:19.351" v="730" actId="20577"/>
-        <pc:sldMkLst>
-          <pc:docMk/>
-          <pc:sldMk cId="70887527" sldId="272"/>
-        </pc:sldMkLst>
-        <pc:spChg chg="mod">
-          <ac:chgData name="Guest User" userId="" providerId="Windows Live" clId="Web-{F520DC43-092D-4973-9C4A-41435ADC92D4}" dt="2023-09-11T04:42:19.351" v="730" actId="20577"/>
-          <ac:spMkLst>
-            <pc:docMk/>
-            <pc:sldMk cId="70887527" sldId="272"/>
-            <ac:spMk id="3" creationId="{F43988CF-7605-D6E7-526B-FCCB48F0310E}"/>
-          </ac:spMkLst>
-        </pc:spChg>
-      </pc:sldChg>
-      <pc:sldChg chg="modSp new">
-        <pc:chgData name="Guest User" userId="" providerId="Windows Live" clId="Web-{F520DC43-092D-4973-9C4A-41435ADC92D4}" dt="2023-09-11T04:42:38.539" v="753" actId="20577"/>
-        <pc:sldMkLst>
-          <pc:docMk/>
-          <pc:sldMk cId="2583485208" sldId="273"/>
-        </pc:sldMkLst>
-        <pc:spChg chg="mod">
-          <ac:chgData name="Guest User" userId="" providerId="Windows Live" clId="Web-{F520DC43-092D-4973-9C4A-41435ADC92D4}" dt="2023-09-11T04:42:38.539" v="753" actId="20577"/>
-          <ac:spMkLst>
-            <pc:docMk/>
-            <pc:sldMk cId="2583485208" sldId="273"/>
-            <ac:spMk id="2" creationId="{96093E93-C41C-972D-802D-95C1F293F4F8}"/>
-          </ac:spMkLst>
-        </pc:spChg>
-      </pc:sldChg>
-    </pc:docChg>
-  </pc:docChgLst>
-  <pc:docChgLst>
-    <pc:chgData name="Guest User" providerId="Windows Live" clId="Web-{1573367B-D4DD-4CCE-A7F5-CB043CFE0062}"/>
-    <pc:docChg chg="addSld modSld">
-      <pc:chgData name="Guest User" userId="" providerId="Windows Live" clId="Web-{1573367B-D4DD-4CCE-A7F5-CB043CFE0062}" dt="2023-09-11T04:31:18.699" v="107" actId="20577"/>
-      <pc:docMkLst>
-        <pc:docMk/>
-      </pc:docMkLst>
-      <pc:sldChg chg="modSp">
-        <pc:chgData name="Guest User" userId="" providerId="Windows Live" clId="Web-{1573367B-D4DD-4CCE-A7F5-CB043CFE0062}" dt="2023-09-11T04:31:18.699" v="107" actId="20577"/>
-        <pc:sldMkLst>
-          <pc:docMk/>
-          <pc:sldMk cId="1688438003" sldId="256"/>
-        </pc:sldMkLst>
-        <pc:spChg chg="mod">
-          <ac:chgData name="Guest User" userId="" providerId="Windows Live" clId="Web-{1573367B-D4DD-4CCE-A7F5-CB043CFE0062}" dt="2023-09-11T04:31:18.699" v="107" actId="20577"/>
-          <ac:spMkLst>
-            <pc:docMk/>
-            <pc:sldMk cId="1688438003" sldId="256"/>
-            <ac:spMk id="2" creationId="{49ACDBFD-5AA0-4FED-9DFB-351660E7FA1A}"/>
-          </ac:spMkLst>
-        </pc:spChg>
-        <pc:spChg chg="mod">
-          <ac:chgData name="Guest User" userId="" providerId="Windows Live" clId="Web-{1573367B-D4DD-4CCE-A7F5-CB043CFE0062}" dt="2023-09-11T04:30:22.901" v="84" actId="20577"/>
-          <ac:spMkLst>
-            <pc:docMk/>
-            <pc:sldMk cId="1688438003" sldId="256"/>
-            <ac:spMk id="3" creationId="{58C957D6-6658-4CA3-9D54-101B037F3CAC}"/>
-          </ac:spMkLst>
-        </pc:spChg>
-      </pc:sldChg>
-      <pc:sldChg chg="modSp">
-        <pc:chgData name="Guest User" userId="" providerId="Windows Live" clId="Web-{1573367B-D4DD-4CCE-A7F5-CB043CFE0062}" dt="2023-09-11T04:29:34.619" v="81" actId="20577"/>
-        <pc:sldMkLst>
-          <pc:docMk/>
-          <pc:sldMk cId="4291216912" sldId="260"/>
-        </pc:sldMkLst>
-        <pc:spChg chg="mod">
-          <ac:chgData name="Guest User" userId="" providerId="Windows Live" clId="Web-{1573367B-D4DD-4CCE-A7F5-CB043CFE0062}" dt="2023-09-11T04:29:34.619" v="81" actId="20577"/>
-          <ac:spMkLst>
-            <pc:docMk/>
-            <pc:sldMk cId="4291216912" sldId="260"/>
-            <ac:spMk id="3" creationId="{35B0ACE5-4930-4848-9A23-2B016F0C8E2D}"/>
-          </ac:spMkLst>
-        </pc:spChg>
-      </pc:sldChg>
-      <pc:sldChg chg="modSp">
-        <pc:chgData name="Guest User" userId="" providerId="Windows Live" clId="Web-{1573367B-D4DD-4CCE-A7F5-CB043CFE0062}" dt="2023-09-11T04:11:40.388" v="1" actId="1076"/>
-        <pc:sldMkLst>
-          <pc:docMk/>
-          <pc:sldMk cId="3463460459" sldId="264"/>
-        </pc:sldMkLst>
-        <pc:spChg chg="mod">
-          <ac:chgData name="Guest User" userId="" providerId="Windows Live" clId="Web-{1573367B-D4DD-4CCE-A7F5-CB043CFE0062}" dt="2023-09-11T04:11:40.388" v="1" actId="1076"/>
-          <ac:spMkLst>
-            <pc:docMk/>
-            <pc:sldMk cId="3463460459" sldId="264"/>
-            <ac:spMk id="3" creationId="{3A26F6FD-3838-457F-B0ED-9DEFEE248AF9}"/>
-          </ac:spMkLst>
-        </pc:spChg>
-      </pc:sldChg>
-      <pc:sldChg chg="modSp">
-        <pc:chgData name="Guest User" userId="" providerId="Windows Live" clId="Web-{1573367B-D4DD-4CCE-A7F5-CB043CFE0062}" dt="2023-09-11T04:29:04.555" v="79" actId="20577"/>
-        <pc:sldMkLst>
-          <pc:docMk/>
-          <pc:sldMk cId="3374596694" sldId="271"/>
-        </pc:sldMkLst>
-        <pc:spChg chg="mod">
-          <ac:chgData name="Guest User" userId="" providerId="Windows Live" clId="Web-{1573367B-D4DD-4CCE-A7F5-CB043CFE0062}" dt="2023-09-11T04:29:04.555" v="79" actId="20577"/>
-          <ac:spMkLst>
-            <pc:docMk/>
-            <pc:sldMk cId="3374596694" sldId="271"/>
-            <ac:spMk id="3" creationId="{851B632D-3906-422E-8968-3DAAE7A4FDC6}"/>
-          </ac:spMkLst>
-        </pc:spChg>
-      </pc:sldChg>
-      <pc:sldChg chg="modSp new">
-        <pc:chgData name="Guest User" userId="" providerId="Windows Live" clId="Web-{1573367B-D4DD-4CCE-A7F5-CB043CFE0062}" dt="2023-09-11T04:23:30.453" v="72" actId="20577"/>
-        <pc:sldMkLst>
-          <pc:docMk/>
-          <pc:sldMk cId="70887527" sldId="272"/>
-        </pc:sldMkLst>
-        <pc:spChg chg="mod">
-          <ac:chgData name="Guest User" userId="" providerId="Windows Live" clId="Web-{1573367B-D4DD-4CCE-A7F5-CB043CFE0062}" dt="2023-09-11T04:13:50.423" v="12" actId="20577"/>
-          <ac:spMkLst>
-            <pc:docMk/>
-            <pc:sldMk cId="70887527" sldId="272"/>
-            <ac:spMk id="2" creationId="{0556DA16-1A21-82DE-7EB1-A33CDAC55AA6}"/>
-          </ac:spMkLst>
-        </pc:spChg>
-        <pc:spChg chg="mod">
-          <ac:chgData name="Guest User" userId="" providerId="Windows Live" clId="Web-{1573367B-D4DD-4CCE-A7F5-CB043CFE0062}" dt="2023-09-11T04:23:30.453" v="72" actId="20577"/>
-          <ac:spMkLst>
-            <pc:docMk/>
-            <pc:sldMk cId="70887527" sldId="272"/>
-            <ac:spMk id="3" creationId="{F43988CF-7605-D6E7-526B-FCCB48F0310E}"/>
-          </ac:spMkLst>
-        </pc:spChg>
-      </pc:sldChg>
-    </pc:docChg>
-  </pc:docChgLst>
-  <pc:docChgLst>
-    <pc:chgData name="Aditya Sinha" userId="0b2765573b686c5c" providerId="Windows Live" clId="Web-{22B3650A-4EEA-49BC-BF09-6EA52D5CB5C9}"/>
-    <pc:docChg chg="modSld">
-      <pc:chgData name="Aditya Sinha" userId="0b2765573b686c5c" providerId="Windows Live" clId="Web-{22B3650A-4EEA-49BC-BF09-6EA52D5CB5C9}" dt="2023-09-11T05:41:50.977" v="7" actId="20577"/>
-      <pc:docMkLst>
-        <pc:docMk/>
-      </pc:docMkLst>
-      <pc:sldChg chg="modSp">
-        <pc:chgData name="Aditya Sinha" userId="0b2765573b686c5c" providerId="Windows Live" clId="Web-{22B3650A-4EEA-49BC-BF09-6EA52D5CB5C9}" dt="2023-09-11T05:41:50.977" v="7" actId="20577"/>
-        <pc:sldMkLst>
-          <pc:docMk/>
-          <pc:sldMk cId="2767332515" sldId="269"/>
-        </pc:sldMkLst>
-        <pc:spChg chg="mod">
-          <ac:chgData name="Aditya Sinha" userId="0b2765573b686c5c" providerId="Windows Live" clId="Web-{22B3650A-4EEA-49BC-BF09-6EA52D5CB5C9}" dt="2023-09-11T05:41:50.977" v="7" actId="20577"/>
-          <ac:spMkLst>
-            <pc:docMk/>
-            <pc:sldMk cId="2767332515" sldId="269"/>
-            <ac:spMk id="3" creationId="{1A7ED7D1-5048-498B-B092-E807E58A1614}"/>
-          </ac:spMkLst>
-        </pc:spChg>
-      </pc:sldChg>
-    </pc:docChg>
-  </pc:docChgLst>
-  <pc:docChgLst>
-    <pc:chgData name="Guest User" providerId="Windows Live" clId="Web-{C09974B0-B3F3-45A1-BDB4-F834DB2BE265}"/>
-    <pc:docChg chg="modSld">
-      <pc:chgData name="Guest User" userId="" providerId="Windows Live" clId="Web-{C09974B0-B3F3-45A1-BDB4-F834DB2BE265}" dt="2023-08-27T12:17:15.801" v="0" actId="20577"/>
-      <pc:docMkLst>
-        <pc:docMk/>
-      </pc:docMkLst>
-      <pc:sldChg chg="modSp">
-        <pc:chgData name="Guest User" userId="" providerId="Windows Live" clId="Web-{C09974B0-B3F3-45A1-BDB4-F834DB2BE265}" dt="2023-08-27T12:17:15.801" v="0" actId="20577"/>
-        <pc:sldMkLst>
-          <pc:docMk/>
-          <pc:sldMk cId="1440205712" sldId="257"/>
-        </pc:sldMkLst>
-        <pc:spChg chg="mod">
-          <ac:chgData name="Guest User" userId="" providerId="Windows Live" clId="Web-{C09974B0-B3F3-45A1-BDB4-F834DB2BE265}" dt="2023-08-27T12:17:15.801" v="0" actId="20577"/>
-          <ac:spMkLst>
-            <pc:docMk/>
-            <pc:sldMk cId="1440205712" sldId="257"/>
-            <ac:spMk id="3" creationId="{C2E29163-79E9-4765-9828-C1F2B49E0C2A}"/>
-          </ac:spMkLst>
-        </pc:spChg>
-      </pc:sldChg>
-    </pc:docChg>
-  </pc:docChgLst>
-  <pc:docChgLst>
-    <pc:chgData name="Guest User" providerId="Windows Live" clId="Web-{581B0A3C-4EE6-44F2-9BDE-BA2CA2C109C1}"/>
-    <pc:docChg chg="modSld sldOrd">
-      <pc:chgData name="Guest User" userId="" providerId="Windows Live" clId="Web-{581B0A3C-4EE6-44F2-9BDE-BA2CA2C109C1}" dt="2023-08-27T20:13:34.216" v="343" actId="20577"/>
-      <pc:docMkLst>
-        <pc:docMk/>
-      </pc:docMkLst>
-      <pc:sldChg chg="ord">
-        <pc:chgData name="Guest User" userId="" providerId="Windows Live" clId="Web-{581B0A3C-4EE6-44F2-9BDE-BA2CA2C109C1}" dt="2023-08-27T18:58:28.843" v="1"/>
-        <pc:sldMkLst>
-          <pc:docMk/>
-          <pc:sldMk cId="1440205712" sldId="257"/>
-        </pc:sldMkLst>
-      </pc:sldChg>
-      <pc:sldChg chg="modSp">
-        <pc:chgData name="Guest User" userId="" providerId="Windows Live" clId="Web-{581B0A3C-4EE6-44F2-9BDE-BA2CA2C109C1}" dt="2023-08-27T20:13:34.216" v="343" actId="20577"/>
-        <pc:sldMkLst>
-          <pc:docMk/>
-          <pc:sldMk cId="2784537791" sldId="261"/>
-        </pc:sldMkLst>
-        <pc:spChg chg="mod">
-          <ac:chgData name="Guest User" userId="" providerId="Windows Live" clId="Web-{581B0A3C-4EE6-44F2-9BDE-BA2CA2C109C1}" dt="2023-08-27T19:51:37.260" v="97" actId="14100"/>
-          <ac:spMkLst>
-            <pc:docMk/>
-            <pc:sldMk cId="2784537791" sldId="261"/>
-            <ac:spMk id="2" creationId="{F5228CC3-E8D4-42B1-B837-121B30534E51}"/>
-          </ac:spMkLst>
-        </pc:spChg>
-        <pc:spChg chg="mod">
-          <ac:chgData name="Guest User" userId="" providerId="Windows Live" clId="Web-{581B0A3C-4EE6-44F2-9BDE-BA2CA2C109C1}" dt="2023-08-27T20:13:34.216" v="343" actId="20577"/>
-          <ac:spMkLst>
-            <pc:docMk/>
-            <pc:sldMk cId="2784537791" sldId="261"/>
-            <ac:spMk id="3" creationId="{925BC252-3007-494A-A136-018AC5223F6E}"/>
-          </ac:spMkLst>
-        </pc:spChg>
-      </pc:sldChg>
-      <pc:sldChg chg="modSp">
-        <pc:chgData name="Guest User" userId="" providerId="Windows Live" clId="Web-{581B0A3C-4EE6-44F2-9BDE-BA2CA2C109C1}" dt="2023-08-27T20:11:50.791" v="333" actId="20577"/>
-        <pc:sldMkLst>
-          <pc:docMk/>
-          <pc:sldMk cId="185912686" sldId="262"/>
-        </pc:sldMkLst>
-        <pc:spChg chg="mod">
-          <ac:chgData name="Guest User" userId="" providerId="Windows Live" clId="Web-{581B0A3C-4EE6-44F2-9BDE-BA2CA2C109C1}" dt="2023-08-27T20:11:50.791" v="333" actId="20577"/>
-          <ac:spMkLst>
-            <pc:docMk/>
-            <pc:sldMk cId="185912686" sldId="262"/>
-            <ac:spMk id="3" creationId="{1A7ED7D1-5048-498B-B092-E807E58A1614}"/>
-          </ac:spMkLst>
-        </pc:spChg>
-      </pc:sldChg>
-    </pc:docChg>
-  </pc:docChgLst>
-  <pc:docChgLst>
-    <pc:chgData name="Raghav Nagpal" userId="3b9f696ebbd127c3" providerId="LiveId" clId="{D479DBF9-E295-7149-BDB2-3591D3AC35B3}"/>
-    <pc:docChg chg="custSel modSld">
-      <pc:chgData name="Raghav Nagpal" userId="3b9f696ebbd127c3" providerId="LiveId" clId="{D479DBF9-E295-7149-BDB2-3591D3AC35B3}" dt="2023-08-28T05:44:53.705" v="839" actId="20577"/>
-      <pc:docMkLst>
-        <pc:docMk/>
-      </pc:docMkLst>
-      <pc:sldChg chg="modSp">
-        <pc:chgData name="Raghav Nagpal" userId="3b9f696ebbd127c3" providerId="LiveId" clId="{D479DBF9-E295-7149-BDB2-3591D3AC35B3}" dt="2023-08-28T04:28:09.745" v="663" actId="20577"/>
-        <pc:sldMkLst>
-          <pc:docMk/>
-          <pc:sldMk cId="361431700" sldId="259"/>
-        </pc:sldMkLst>
-        <pc:spChg chg="mod">
-          <ac:chgData name="Raghav Nagpal" userId="3b9f696ebbd127c3" providerId="LiveId" clId="{D479DBF9-E295-7149-BDB2-3591D3AC35B3}" dt="2023-08-28T04:28:09.745" v="663" actId="20577"/>
-          <ac:spMkLst>
-            <pc:docMk/>
-            <pc:sldMk cId="361431700" sldId="259"/>
-            <ac:spMk id="3" creationId="{2D68104E-D0BD-40CC-9F37-BFEE4AD80CF6}"/>
-          </ac:spMkLst>
-        </pc:spChg>
-      </pc:sldChg>
-      <pc:sldChg chg="modSp">
-        <pc:chgData name="Raghav Nagpal" userId="3b9f696ebbd127c3" providerId="LiveId" clId="{D479DBF9-E295-7149-BDB2-3591D3AC35B3}" dt="2023-08-28T05:44:53.705" v="839" actId="20577"/>
-        <pc:sldMkLst>
-          <pc:docMk/>
-          <pc:sldMk cId="4291216912" sldId="260"/>
-        </pc:sldMkLst>
-        <pc:spChg chg="mod">
-          <ac:chgData name="Raghav Nagpal" userId="3b9f696ebbd127c3" providerId="LiveId" clId="{D479DBF9-E295-7149-BDB2-3591D3AC35B3}" dt="2023-08-28T05:44:53.705" v="839" actId="20577"/>
-          <ac:spMkLst>
-            <pc:docMk/>
-            <pc:sldMk cId="4291216912" sldId="260"/>
-            <ac:spMk id="3" creationId="{35B0ACE5-4930-4848-9A23-2B016F0C8E2D}"/>
           </ac:spMkLst>
         </pc:spChg>
       </pc:sldChg>
@@ -1331,6 +1292,61 @@
             <pc:docMk/>
             <pc:sldMk cId="185912686" sldId="262"/>
             <ac:spMk id="3" creationId="{1A7ED7D1-5048-498B-B092-E807E58A1614}"/>
+          </ac:spMkLst>
+        </pc:spChg>
+      </pc:sldChg>
+    </pc:docChg>
+  </pc:docChgLst>
+  <pc:docChgLst>
+    <pc:chgData name="Guest User" providerId="Windows Live" clId="Web-{B286BE44-BE88-4C44-BC9E-209621950CF8}"/>
+    <pc:docChg chg="delSld">
+      <pc:chgData name="Guest User" userId="" providerId="Windows Live" clId="Web-{B286BE44-BE88-4C44-BC9E-209621950CF8}" dt="2023-09-12T11:04:52.411" v="0"/>
+      <pc:docMkLst>
+        <pc:docMk/>
+      </pc:docMkLst>
+      <pc:sldChg chg="del">
+        <pc:chgData name="Guest User" userId="" providerId="Windows Live" clId="Web-{B286BE44-BE88-4C44-BC9E-209621950CF8}" dt="2023-09-12T11:04:52.411" v="0"/>
+        <pc:sldMkLst>
+          <pc:docMk/>
+          <pc:sldMk cId="2583485208" sldId="273"/>
+        </pc:sldMkLst>
+      </pc:sldChg>
+    </pc:docChg>
+  </pc:docChgLst>
+  <pc:docChgLst>
+    <pc:chgData name="Guest User" providerId="Windows Live" clId="Web-{6381D304-AE5D-4ED5-AF4D-6465DBA1CA46}"/>
+    <pc:docChg chg="modSld">
+      <pc:chgData name="Guest User" userId="" providerId="Windows Live" clId="Web-{6381D304-AE5D-4ED5-AF4D-6465DBA1CA46}" dt="2023-09-11T04:11:36.048" v="610" actId="20577"/>
+      <pc:docMkLst>
+        <pc:docMk/>
+      </pc:docMkLst>
+      <pc:sldChg chg="modSp">
+        <pc:chgData name="Guest User" userId="" providerId="Windows Live" clId="Web-{6381D304-AE5D-4ED5-AF4D-6465DBA1CA46}" dt="2023-09-11T04:09:39.044" v="585" actId="20577"/>
+        <pc:sldMkLst>
+          <pc:docMk/>
+          <pc:sldMk cId="361431700" sldId="259"/>
+        </pc:sldMkLst>
+        <pc:spChg chg="mod">
+          <ac:chgData name="Guest User" userId="" providerId="Windows Live" clId="Web-{6381D304-AE5D-4ED5-AF4D-6465DBA1CA46}" dt="2023-09-11T04:09:39.044" v="585" actId="20577"/>
+          <ac:spMkLst>
+            <pc:docMk/>
+            <pc:sldMk cId="361431700" sldId="259"/>
+            <ac:spMk id="3" creationId="{2D68104E-D0BD-40CC-9F37-BFEE4AD80CF6}"/>
+          </ac:spMkLst>
+        </pc:spChg>
+      </pc:sldChg>
+      <pc:sldChg chg="modSp">
+        <pc:chgData name="Guest User" userId="" providerId="Windows Live" clId="Web-{6381D304-AE5D-4ED5-AF4D-6465DBA1CA46}" dt="2023-09-11T04:11:36.048" v="610" actId="20577"/>
+        <pc:sldMkLst>
+          <pc:docMk/>
+          <pc:sldMk cId="4291216912" sldId="260"/>
+        </pc:sldMkLst>
+        <pc:spChg chg="mod">
+          <ac:chgData name="Guest User" userId="" providerId="Windows Live" clId="Web-{6381D304-AE5D-4ED5-AF4D-6465DBA1CA46}" dt="2023-09-11T04:11:36.048" v="610" actId="20577"/>
+          <ac:spMkLst>
+            <pc:docMk/>
+            <pc:sldMk cId="4291216912" sldId="260"/>
+            <ac:spMk id="3" creationId="{35B0ACE5-4930-4848-9A23-2B016F0C8E2D}"/>
           </ac:spMkLst>
         </pc:spChg>
       </pc:sldChg>
@@ -1421,7 +1437,7 @@
           <a:p>
             <a:fld id="{CF7B92A8-F158-4175-A7FC-F340791318E1}" type="datetimeFigureOut">
               <a:rPr lang="en-IN" smtClean="0"/>
-              <a:t>12-09-2023</a:t>
+              <a:t>02-10-2023</a:t>
             </a:fld>
             <a:endParaRPr lang="en-IN"/>
           </a:p>
@@ -2006,7 +2022,7 @@
           <a:p>
             <a:fld id="{B40BFAB7-683C-4D93-86F8-115677CBF82B}" type="datetimeFigureOut">
               <a:rPr lang="en-IN" smtClean="0"/>
-              <a:t>12-09-2023</a:t>
+              <a:t>02-10-2023</a:t>
             </a:fld>
             <a:endParaRPr lang="en-IN"/>
           </a:p>
@@ -2206,7 +2222,7 @@
           <a:p>
             <a:fld id="{B40BFAB7-683C-4D93-86F8-115677CBF82B}" type="datetimeFigureOut">
               <a:rPr lang="en-IN" smtClean="0"/>
-              <a:t>12-09-2023</a:t>
+              <a:t>02-10-2023</a:t>
             </a:fld>
             <a:endParaRPr lang="en-IN"/>
           </a:p>
@@ -2416,7 +2432,7 @@
           <a:p>
             <a:fld id="{B40BFAB7-683C-4D93-86F8-115677CBF82B}" type="datetimeFigureOut">
               <a:rPr lang="en-IN" smtClean="0"/>
-              <a:t>12-09-2023</a:t>
+              <a:t>02-10-2023</a:t>
             </a:fld>
             <a:endParaRPr lang="en-IN"/>
           </a:p>
@@ -2616,7 +2632,7 @@
           <a:p>
             <a:fld id="{B40BFAB7-683C-4D93-86F8-115677CBF82B}" type="datetimeFigureOut">
               <a:rPr lang="en-IN" smtClean="0"/>
-              <a:t>12-09-2023</a:t>
+              <a:t>02-10-2023</a:t>
             </a:fld>
             <a:endParaRPr lang="en-IN"/>
           </a:p>
@@ -2892,7 +2908,7 @@
           <a:p>
             <a:fld id="{B40BFAB7-683C-4D93-86F8-115677CBF82B}" type="datetimeFigureOut">
               <a:rPr lang="en-IN" smtClean="0"/>
-              <a:t>12-09-2023</a:t>
+              <a:t>02-10-2023</a:t>
             </a:fld>
             <a:endParaRPr lang="en-IN"/>
           </a:p>
@@ -3160,7 +3176,7 @@
           <a:p>
             <a:fld id="{B40BFAB7-683C-4D93-86F8-115677CBF82B}" type="datetimeFigureOut">
               <a:rPr lang="en-IN" smtClean="0"/>
-              <a:t>12-09-2023</a:t>
+              <a:t>02-10-2023</a:t>
             </a:fld>
             <a:endParaRPr lang="en-IN"/>
           </a:p>
@@ -3575,7 +3591,7 @@
           <a:p>
             <a:fld id="{B40BFAB7-683C-4D93-86F8-115677CBF82B}" type="datetimeFigureOut">
               <a:rPr lang="en-IN" smtClean="0"/>
-              <a:t>12-09-2023</a:t>
+              <a:t>02-10-2023</a:t>
             </a:fld>
             <a:endParaRPr lang="en-IN"/>
           </a:p>
@@ -3717,7 +3733,7 @@
           <a:p>
             <a:fld id="{B40BFAB7-683C-4D93-86F8-115677CBF82B}" type="datetimeFigureOut">
               <a:rPr lang="en-IN" smtClean="0"/>
-              <a:t>12-09-2023</a:t>
+              <a:t>02-10-2023</a:t>
             </a:fld>
             <a:endParaRPr lang="en-IN"/>
           </a:p>
@@ -3830,7 +3846,7 @@
           <a:p>
             <a:fld id="{B40BFAB7-683C-4D93-86F8-115677CBF82B}" type="datetimeFigureOut">
               <a:rPr lang="en-IN" smtClean="0"/>
-              <a:t>12-09-2023</a:t>
+              <a:t>02-10-2023</a:t>
             </a:fld>
             <a:endParaRPr lang="en-IN"/>
           </a:p>
@@ -4143,7 +4159,7 @@
           <a:p>
             <a:fld id="{B40BFAB7-683C-4D93-86F8-115677CBF82B}" type="datetimeFigureOut">
               <a:rPr lang="en-IN" smtClean="0"/>
-              <a:t>12-09-2023</a:t>
+              <a:t>02-10-2023</a:t>
             </a:fld>
             <a:endParaRPr lang="en-IN"/>
           </a:p>
@@ -4432,7 +4448,7 @@
           <a:p>
             <a:fld id="{B40BFAB7-683C-4D93-86F8-115677CBF82B}" type="datetimeFigureOut">
               <a:rPr lang="en-IN" smtClean="0"/>
-              <a:t>12-09-2023</a:t>
+              <a:t>02-10-2023</a:t>
             </a:fld>
             <a:endParaRPr lang="en-IN"/>
           </a:p>
@@ -4675,7 +4691,7 @@
           <a:p>
             <a:fld id="{B40BFAB7-683C-4D93-86F8-115677CBF82B}" type="datetimeFigureOut">
               <a:rPr lang="en-IN" smtClean="0"/>
-              <a:t>12-09-2023</a:t>
+              <a:t>02-10-2023</a:t>
             </a:fld>
             <a:endParaRPr lang="en-IN"/>
           </a:p>
@@ -5139,7 +5155,7 @@
               <a:t>r</a:t>
             </a:r>
             <a:br>
-              <a:rPr lang="en-US" sz="8000" b="1" dirty="0">
+              <a:rPr lang="en-US" sz="8000" b="1">
                 <a:latin typeface="BankGothic Lt BT" panose="020B0607020203060204" pitchFamily="34" charset="0"/>
               </a:rPr>
             </a:br>
@@ -6107,18 +6123,18 @@
           <a:p>
             <a:pPr algn="ctr"/>
             <a:r>
-              <a:rPr lang="en-US" dirty="0">
+              <a:rPr lang="en-US">
                 <a:latin typeface="BankGothic Lt BT" panose="020B0607020203060204" pitchFamily="34" charset="0"/>
               </a:rPr>
               <a:t>Login module                                                              										</a:t>
             </a:r>
             <a:r>
-              <a:rPr lang="en-US" sz="2000" dirty="0">
+              <a:rPr lang="en-US" sz="2000">
                 <a:latin typeface="BankGothic Lt BT" panose="020B0607020203060204" pitchFamily="34" charset="0"/>
               </a:rPr>
               <a:t>~Ayush</a:t>
             </a:r>
-            <a:endParaRPr lang="en-IN" sz="2000" dirty="0">
+            <a:endParaRPr lang="en-IN" sz="2000">
               <a:latin typeface="BankGothic Lt BT" panose="020B0607020203060204" pitchFamily="34" charset="0"/>
             </a:endParaRPr>
           </a:p>
@@ -6170,13 +6186,13 @@
           </a:p>
           <a:p>
             <a:r>
-              <a:rPr lang="en-US" sz="1800" b="1" dirty="0">
+              <a:rPr lang="en-US" sz="1800" b="1">
                 <a:latin typeface="+mj-lt"/>
               </a:rPr>
               <a:t>User Base</a:t>
             </a:r>
             <a:r>
-              <a:rPr lang="en-US" sz="1800" dirty="0">
+              <a:rPr lang="en-US" sz="1800">
                 <a:latin typeface="+mj-lt"/>
               </a:rPr>
               <a:t>: Determine the expected number of users who will access the login page.</a:t>
@@ -6184,13 +6200,13 @@
           </a:p>
           <a:p>
             <a:r>
-              <a:rPr lang="en-US" sz="1800" b="1" dirty="0">
+              <a:rPr lang="en-US" sz="1800" b="1">
                 <a:latin typeface="+mj-lt"/>
               </a:rPr>
               <a:t>User Needs</a:t>
             </a:r>
             <a:r>
-              <a:rPr lang="en-US" sz="1800" dirty="0">
+              <a:rPr lang="en-US" sz="1800">
                 <a:latin typeface="+mj-lt"/>
               </a:rPr>
               <a:t>: Understand user expectations regarding login methods (e.g. username/password, social media, single sign-on).</a:t>
@@ -6198,13 +6214,13 @@
           </a:p>
           <a:p>
             <a:r>
-              <a:rPr lang="en-US" sz="1800" b="1" dirty="0">
+              <a:rPr lang="en-US" sz="1800" b="1">
                 <a:latin typeface="+mj-lt"/>
               </a:rPr>
               <a:t>Frequency of Use</a:t>
             </a:r>
             <a:r>
-              <a:rPr lang="en-US" sz="1800" dirty="0">
+              <a:rPr lang="en-US" sz="1800">
                 <a:latin typeface="+mj-lt"/>
               </a:rPr>
               <a:t>: Analyze how often users will log in.</a:t>
@@ -6253,13 +6269,13 @@
           </a:p>
           <a:p>
             <a:r>
-              <a:rPr lang="en-US" sz="1800" b="1" dirty="0">
+              <a:rPr lang="en-US" sz="1800" b="1">
                 <a:latin typeface="+mj-lt"/>
               </a:rPr>
               <a:t>Scalability</a:t>
             </a:r>
             <a:r>
-              <a:rPr lang="en-US" sz="1800" dirty="0">
+              <a:rPr lang="en-US" sz="1800">
                 <a:latin typeface="+mj-lt"/>
               </a:rPr>
               <a:t>: Ensure the login page can handle an increasing number of users.</a:t>
@@ -6269,7 +6285,7 @@
             <a:pPr marL="0" indent="0">
               <a:buNone/>
             </a:pPr>
-            <a:endParaRPr lang="en-US" sz="1800" dirty="0">
+            <a:endParaRPr lang="en-US" sz="1800">
               <a:latin typeface="+mj-lt"/>
               <a:cs typeface="calibri light"/>
             </a:endParaRPr>
@@ -6330,65 +6346,65 @@
           </a:p>
           <a:p>
             <a:r>
-              <a:rPr lang="en-US" sz="1800" b="1" dirty="0">
+              <a:rPr lang="en-US" sz="1800" b="1">
                 <a:latin typeface="+mj-lt"/>
                 <a:cs typeface="calibri light"/>
               </a:rPr>
               <a:t>Operational Costs:  </a:t>
             </a:r>
             <a:r>
+              <a:rPr lang="en-US" sz="1800">
+                <a:latin typeface="+mj-lt"/>
+                <a:cs typeface="calibri light"/>
+              </a:rPr>
+              <a:t>Server maintenance, security, support</a:t>
+            </a:r>
+          </a:p>
+          <a:p>
+            <a:r>
+              <a:rPr lang="en-US" sz="1800" b="1">
+                <a:latin typeface="+mj-lt"/>
+                <a:cs typeface="calibri light"/>
+              </a:rPr>
+              <a:t>Revenue Generation</a:t>
+            </a:r>
+            <a:r>
+              <a:rPr lang="en-US" sz="1800">
+                <a:latin typeface="+mj-lt"/>
+                <a:cs typeface="calibri light"/>
+              </a:rPr>
+              <a:t>:  Evaluate whether the login page can generate revenue (e.g. through premium memberships or advertising).</a:t>
+            </a:r>
+          </a:p>
+          <a:p>
+            <a:pPr marL="0" indent="0">
+              <a:buNone/>
+            </a:pPr>
+            <a:r>
+              <a:rPr lang="en-IN" sz="2200" b="1" u="sng" dirty="0">
+                <a:latin typeface="+mj-lt"/>
+              </a:rPr>
+              <a:t>Requirements Analysis</a:t>
+            </a:r>
+            <a:r>
+              <a:rPr lang="en-IN" sz="2200" dirty="0">
+                <a:latin typeface="+mj-lt"/>
+              </a:rPr>
+              <a:t>:</a:t>
+            </a:r>
+            <a:r>
+              <a:rPr lang="en-US" sz="2200" dirty="0">
+                <a:latin typeface="+mj-lt"/>
+              </a:rPr>
+              <a:t> </a:t>
+            </a:r>
+            <a:r>
               <a:rPr lang="en-US" sz="1800" dirty="0">
                 <a:latin typeface="+mj-lt"/>
-                <a:cs typeface="calibri light"/>
-              </a:rPr>
-              <a:t>Server maintenance, security, support</a:t>
-            </a:r>
-          </a:p>
-          <a:p>
-            <a:r>
-              <a:rPr lang="en-US" sz="1800" b="1" dirty="0">
-                <a:latin typeface="+mj-lt"/>
-                <a:cs typeface="calibri light"/>
-              </a:rPr>
-              <a:t>Revenue Generation</a:t>
-            </a:r>
-            <a:r>
-              <a:rPr lang="en-US" sz="1800" dirty="0">
-                <a:latin typeface="+mj-lt"/>
-                <a:cs typeface="calibri light"/>
-              </a:rPr>
-              <a:t>:  Evaluate whether the login page can generate revenue (e.g. through premium memberships or advertising).</a:t>
-            </a:r>
-          </a:p>
-          <a:p>
-            <a:pPr marL="0" indent="0">
-              <a:buNone/>
-            </a:pPr>
-            <a:r>
-              <a:rPr lang="en-IN" sz="2200" b="1" u="sng" dirty="0">
-                <a:latin typeface="+mj-lt"/>
-              </a:rPr>
-              <a:t>Requirements Analysis</a:t>
-            </a:r>
-            <a:r>
-              <a:rPr lang="en-IN" sz="2200" dirty="0">
-                <a:latin typeface="+mj-lt"/>
-              </a:rPr>
-              <a:t>:</a:t>
-            </a:r>
-            <a:r>
-              <a:rPr lang="en-US" sz="2200" dirty="0">
-                <a:latin typeface="+mj-lt"/>
-              </a:rPr>
-              <a:t> </a:t>
-            </a:r>
-            <a:r>
-              <a:rPr lang="en-US" sz="1800" dirty="0">
-                <a:latin typeface="+mj-lt"/>
               </a:rPr>
               <a:t>login page must offer : password reset, account recovery, CAPTCHA).</a:t>
             </a:r>
-            <a:endParaRPr lang="en-US" sz="1800" dirty="0">
+            <a:endParaRPr lang="en-US" sz="1800">
               <a:latin typeface="+mj-lt"/>
               <a:cs typeface="calibri light"/>
             </a:endParaRPr>
@@ -6561,7 +6577,7 @@
             <a:pPr marL="0" indent="0">
               <a:buNone/>
             </a:pPr>
-            <a:endParaRPr lang="en-US" sz="1800" dirty="0">
+            <a:endParaRPr lang="en-US" sz="1800">
               <a:solidFill>
                 <a:prstClr val="black"/>
               </a:solidFill>
@@ -6723,7 +6739,7 @@
             <a:pPr marL="0" indent="0">
               <a:buNone/>
             </a:pPr>
-            <a:endParaRPr lang="en-US" sz="1800" dirty="0">
+            <a:endParaRPr lang="en-US" sz="1800">
               <a:solidFill>
                 <a:prstClr val="black"/>
               </a:solidFill>
@@ -6918,12 +6934,12 @@
               <a:t>Maintenance Costs: </a:t>
             </a:r>
             <a:r>
-              <a:rPr lang="en-US" sz="2400" dirty="0">
+              <a:rPr lang="en-US" sz="2400">
                 <a:latin typeface="+mj-lt"/>
               </a:rPr>
               <a:t>Calculate ongoing operational expenses, such as server hosting, software updates, and security measures.</a:t>
             </a:r>
-            <a:endParaRPr lang="en-IN" sz="2400" dirty="0">
+            <a:endParaRPr lang="en-IN" sz="2400">
               <a:latin typeface="+mj-lt"/>
             </a:endParaRPr>
           </a:p>
@@ -6932,10 +6948,16 @@
               <a:rPr lang="en-US" sz="2400" b="1" dirty="0">
                 <a:latin typeface="+mj-lt"/>
               </a:rPr>
-              <a:t>Cash Flow Analysis:</a:t>
-            </a:r>
-            <a:r>
-              <a:rPr lang="en-US" sz="2400" dirty="0">
+              <a:t>Cash Flow Analysis</a:t>
+            </a:r>
+            <a:r>
+              <a:rPr lang="en-US" sz="2400" b="1">
+                <a:latin typeface="+mj-lt"/>
+              </a:rPr>
+              <a:t>:</a:t>
+            </a:r>
+            <a:r>
+              <a:rPr lang="en-US" sz="2400">
                 <a:latin typeface="+mj-lt"/>
               </a:rPr>
               <a:t> Analyze the cash flow associated with the payment method chosen.</a:t>
@@ -7050,7 +7072,7 @@
         </p:nvSpPr>
         <p:spPr>
           <a:xfrm>
-            <a:off x="193964" y="1607127"/>
+            <a:off x="193964" y="1143248"/>
             <a:ext cx="11804072" cy="5126182"/>
           </a:xfrm>
         </p:spPr>
@@ -7560,28 +7582,28 @@
           <a:p>
             <a:pPr algn="ctr"/>
             <a:br>
-              <a:rPr lang="en-US" sz="3000" dirty="0">
+              <a:rPr lang="en-US" sz="3000">
                 <a:latin typeface="BankGothic Lt BT"/>
               </a:rPr>
             </a:br>
             <a:r>
-              <a:rPr lang="en-US" sz="3500" dirty="0">
+              <a:rPr lang="en-US" sz="3500">
                 <a:latin typeface="BankGothic Lt BT"/>
               </a:rPr>
               <a:t>home module</a:t>
             </a:r>
             <a:br>
-              <a:rPr lang="en-US" sz="3500" dirty="0">
+              <a:rPr lang="en-US" sz="3500">
                 <a:latin typeface="BankGothic Lt BT" panose="020B0607020203060204" pitchFamily="34" charset="0"/>
               </a:rPr>
             </a:br>
             <a:r>
-              <a:rPr lang="en-US" sz="3000" dirty="0">
+              <a:rPr lang="en-US" sz="3000">
                 <a:latin typeface="BankGothic Lt BT"/>
               </a:rPr>
               <a:t>									     ~Aditya</a:t>
             </a:r>
-            <a:endParaRPr lang="en-IN" sz="3000" dirty="0">
+            <a:endParaRPr lang="en-IN" sz="3000">
               <a:latin typeface="BankGothic Lt BT"/>
             </a:endParaRPr>
           </a:p>
@@ -7619,7 +7641,7 @@
               <a:buNone/>
             </a:pPr>
             <a:r>
-              <a:rPr lang="en-IN" sz="2200" dirty="0">
+              <a:rPr lang="en-IN" sz="2200">
                 <a:latin typeface="calibri light"/>
                 <a:cs typeface="Calibri"/>
               </a:rPr>
@@ -7849,7 +7871,7 @@
             <a:pPr marL="0" indent="0">
               <a:buNone/>
             </a:pPr>
-            <a:endParaRPr lang="en-IN" dirty="0">
+            <a:endParaRPr lang="en-IN">
               <a:latin typeface="calibri light"/>
               <a:ea typeface="calibri light"/>
               <a:cs typeface="Calibri"/>
@@ -7859,7 +7881,7 @@
             <a:pPr marL="0" indent="0">
               <a:buNone/>
             </a:pPr>
-            <a:endParaRPr lang="en-IN" dirty="0">
+            <a:endParaRPr lang="en-IN">
               <a:latin typeface="calibri light"/>
               <a:ea typeface="calibri light"/>
               <a:cs typeface="Calibri"/>
